--- a/Arquivos/TCC.pptx
+++ b/Arquivos/TCC.pptx
@@ -5,7 +5,7 @@
     <p:sldMasterId id="2147483648" r:id="rId3"/>
   </p:sldMasterIdLst>
   <p:handoutMasterIdLst>
-    <p:handoutMasterId r:id="rId28"/>
+    <p:handoutMasterId r:id="rId32"/>
   </p:handoutMasterIdLst>
   <p:sldIdLst>
     <p:sldId id="257" r:id="rId4"/>
@@ -31,7 +31,11 @@
     <p:sldId id="273" r:id="rId24"/>
     <p:sldId id="279" r:id="rId25"/>
     <p:sldId id="280" r:id="rId26"/>
-    <p:sldId id="267" r:id="rId27"/>
+    <p:sldId id="286" r:id="rId27"/>
+    <p:sldId id="287" r:id="rId28"/>
+    <p:sldId id="288" r:id="rId29"/>
+    <p:sldId id="289" r:id="rId30"/>
+    <p:sldId id="267" r:id="rId31"/>
   </p:sldIdLst>
   <p:sldSz cx="12192000" cy="6858000"/>
   <p:notesSz cx="6858000" cy="9144000"/>
@@ -343,7 +347,7 @@
               <a:pPr>
                 <a:defRPr/>
               </a:pPr>
-              <a:t>19/05/2024</a:t>
+              <a:t>09/06/2024</a:t>
             </a:fld>
             <a:endParaRPr lang="pt-BR"/>
           </a:p>
@@ -609,7 +613,7 @@
               <a:pPr>
                 <a:defRPr/>
               </a:pPr>
-              <a:t>19/05/2024</a:t>
+              <a:t>09/06/2024</a:t>
             </a:fld>
             <a:endParaRPr lang="pt-BR"/>
           </a:p>
@@ -972,7 +976,7 @@
               <a:pPr>
                 <a:defRPr/>
               </a:pPr>
-              <a:t>19/05/2024</a:t>
+              <a:t>09/06/2024</a:t>
             </a:fld>
             <a:endParaRPr lang="pt-BR"/>
           </a:p>
@@ -1335,7 +1339,7 @@
               <a:pPr>
                 <a:defRPr/>
               </a:pPr>
-              <a:t>19/05/2024</a:t>
+              <a:t>09/06/2024</a:t>
             </a:fld>
             <a:endParaRPr lang="pt-BR"/>
           </a:p>
@@ -1498,7 +1502,7 @@
               <a:pPr>
                 <a:defRPr/>
               </a:pPr>
-              <a:t>19/05/2024</a:t>
+              <a:t>09/06/2024</a:t>
             </a:fld>
             <a:endParaRPr lang="pt-BR"/>
           </a:p>
@@ -1819,7 +1823,7 @@
               <a:pPr>
                 <a:defRPr/>
               </a:pPr>
-              <a:t>19/05/2024</a:t>
+              <a:t>09/06/2024</a:t>
             </a:fld>
             <a:endParaRPr lang="pt-BR"/>
           </a:p>
@@ -4749,8 +4753,8 @@
         </p:nvSpPr>
         <p:spPr>
           <a:xfrm>
-            <a:off x="983432" y="1700808"/>
-            <a:ext cx="5904656" cy="2980927"/>
+            <a:off x="911424" y="1515973"/>
+            <a:ext cx="5904656" cy="4032448"/>
           </a:xfrm>
         </p:spPr>
         <p:txBody>
@@ -4839,18 +4843,25 @@
           </a:p>
           <a:p>
             <a:r>
+              <a:rPr lang="pt-BR" sz="2800" dirty="0">
+                <a:latin typeface="Arial" panose="020B0604020202020204" pitchFamily="34" charset="0"/>
+                <a:cs typeface="Arial" panose="020B0604020202020204" pitchFamily="34" charset="0"/>
+              </a:rPr>
+              <a:t>Banco de dados e </a:t>
+            </a:r>
+            <a:r>
               <a:rPr lang="pt-BR" sz="2800" dirty="0" err="1">
                 <a:latin typeface="Arial" panose="020B0604020202020204" pitchFamily="34" charset="0"/>
                 <a:cs typeface="Arial" panose="020B0604020202020204" pitchFamily="34" charset="0"/>
               </a:rPr>
-              <a:t>Mockups</a:t>
+              <a:t>back-end</a:t>
             </a:r>
             <a:r>
               <a:rPr lang="pt-BR" sz="2800" dirty="0">
                 <a:latin typeface="Arial" panose="020B0604020202020204" pitchFamily="34" charset="0"/>
                 <a:cs typeface="Arial" panose="020B0604020202020204" pitchFamily="34" charset="0"/>
               </a:rPr>
-              <a:t>: 29/</a:t>
+              <a:t>: 01/</a:t>
             </a:r>
             <a:r>
               <a:rPr lang="pt-BR" sz="2800" dirty="0" err="1">
@@ -4864,21 +4875,30 @@
                 <a:latin typeface="Arial" panose="020B0604020202020204" pitchFamily="34" charset="0"/>
                 <a:cs typeface="Arial" panose="020B0604020202020204" pitchFamily="34" charset="0"/>
               </a:rPr>
-              <a:t> – 25/</a:t>
+              <a:t> – (em progresso)</a:t>
+            </a:r>
+          </a:p>
+          <a:p>
+            <a:r>
+              <a:rPr lang="pt-BR" sz="2800" dirty="0">
+                <a:latin typeface="Arial" panose="020B0604020202020204" pitchFamily="34" charset="0"/>
+                <a:cs typeface="Arial" panose="020B0604020202020204" pitchFamily="34" charset="0"/>
+              </a:rPr>
+              <a:t>Documentação: 08/</a:t>
             </a:r>
             <a:r>
               <a:rPr lang="pt-BR" sz="2800" dirty="0" err="1">
                 <a:latin typeface="Arial" panose="020B0604020202020204" pitchFamily="34" charset="0"/>
                 <a:cs typeface="Arial" panose="020B0604020202020204" pitchFamily="34" charset="0"/>
               </a:rPr>
-              <a:t>mai</a:t>
+              <a:t>abr</a:t>
             </a:r>
             <a:r>
               <a:rPr lang="pt-BR" sz="2800" dirty="0">
                 <a:latin typeface="Arial" panose="020B0604020202020204" pitchFamily="34" charset="0"/>
                 <a:cs typeface="Arial" panose="020B0604020202020204" pitchFamily="34" charset="0"/>
               </a:rPr>
-              <a:t> </a:t>
+              <a:t> – (em progresso)</a:t>
             </a:r>
           </a:p>
           <a:p>
@@ -4887,30 +4907,16 @@
                 <a:latin typeface="Arial" panose="020B0604020202020204" pitchFamily="34" charset="0"/>
                 <a:cs typeface="Arial" panose="020B0604020202020204" pitchFamily="34" charset="0"/>
               </a:rPr>
-              <a:t>Documentação: 08/</a:t>
-            </a:r>
-            <a:r>
-              <a:rPr lang="pt-BR" sz="2800" dirty="0" err="1">
+              <a:t>Finalização: 20/out</a:t>
+            </a:r>
+          </a:p>
+          <a:p>
+            <a:r>
+              <a:rPr lang="pt-BR" sz="2800" dirty="0">
                 <a:latin typeface="Arial" panose="020B0604020202020204" pitchFamily="34" charset="0"/>
                 <a:cs typeface="Arial" panose="020B0604020202020204" pitchFamily="34" charset="0"/>
               </a:rPr>
-              <a:t>abr</a:t>
-            </a:r>
-            <a:r>
-              <a:rPr lang="pt-BR" sz="2800" dirty="0">
-                <a:latin typeface="Arial" panose="020B0604020202020204" pitchFamily="34" charset="0"/>
-                <a:cs typeface="Arial" panose="020B0604020202020204" pitchFamily="34" charset="0"/>
-              </a:rPr>
-              <a:t> – </a:t>
-            </a:r>
-          </a:p>
-          <a:p>
-            <a:r>
-              <a:rPr lang="pt-BR" sz="2800" dirty="0">
-                <a:latin typeface="Arial" panose="020B0604020202020204" pitchFamily="34" charset="0"/>
-                <a:cs typeface="Arial" panose="020B0604020202020204" pitchFamily="34" charset="0"/>
-              </a:rPr>
-              <a:t>Finalização: 20/out</a:t>
+              <a:t>Entrega final: 25/out</a:t>
             </a:r>
           </a:p>
         </p:txBody>
@@ -4937,7 +4943,7 @@
         </p:blipFill>
         <p:spPr bwMode="auto">
           <a:xfrm>
-            <a:off x="7104112" y="1417638"/>
+            <a:off x="7176120" y="1595253"/>
             <a:ext cx="3987797" cy="3667493"/>
           </a:xfrm>
           <a:prstGeom prst="rect">
@@ -5393,7 +5399,7 @@
           <a:bodyPr/>
           <a:lstStyle/>
           <a:p>
-            <a:pPr marL="0" indent="0" algn="just">
+            <a:pPr marL="0" indent="442913" algn="just">
               <a:lnSpc>
                 <a:spcPct val="150000"/>
               </a:lnSpc>
@@ -5560,6 +5566,1242 @@
           <p:cNvPr id="2" name="Título 1">
             <a:extLst>
               <a:ext uri="{FF2B5EF4-FFF2-40B4-BE49-F238E27FC236}">
+                <a16:creationId xmlns:a16="http://schemas.microsoft.com/office/drawing/2014/main" id="{1AE02128-9716-700C-11E6-46B68C8B9623}"/>
+              </a:ext>
+            </a:extLst>
+          </p:cNvPr>
+          <p:cNvSpPr>
+            <a:spLocks noGrp="1"/>
+          </p:cNvSpPr>
+          <p:nvPr>
+            <p:ph type="title"/>
+          </p:nvPr>
+        </p:nvSpPr>
+        <p:spPr/>
+        <p:txBody>
+          <a:bodyPr/>
+          <a:lstStyle/>
+          <a:p>
+            <a:r>
+              <a:rPr lang="pt-BR" dirty="0">
+                <a:latin typeface="Arial" panose="020B0604020202020204" pitchFamily="34" charset="0"/>
+                <a:cs typeface="Arial" panose="020B0604020202020204" pitchFamily="34" charset="0"/>
+              </a:rPr>
+              <a:t>Objetivos</a:t>
+            </a:r>
+          </a:p>
+        </p:txBody>
+      </p:sp>
+      <p:sp>
+        <p:nvSpPr>
+          <p:cNvPr id="3" name="Espaço Reservado para Conteúdo 2">
+            <a:extLst>
+              <a:ext uri="{FF2B5EF4-FFF2-40B4-BE49-F238E27FC236}">
+                <a16:creationId xmlns:a16="http://schemas.microsoft.com/office/drawing/2014/main" id="{6C9C7C15-99FE-49D4-DF2B-FDC92ED77898}"/>
+              </a:ext>
+            </a:extLst>
+          </p:cNvPr>
+          <p:cNvSpPr>
+            <a:spLocks noGrp="1"/>
+          </p:cNvSpPr>
+          <p:nvPr>
+            <p:ph idx="1"/>
+          </p:nvPr>
+        </p:nvSpPr>
+        <p:spPr>
+          <a:xfrm>
+            <a:off x="868524" y="2420888"/>
+            <a:ext cx="10454952" cy="2448272"/>
+          </a:xfrm>
+        </p:spPr>
+        <p:txBody>
+          <a:bodyPr/>
+          <a:lstStyle/>
+          <a:p>
+            <a:pPr marL="0" indent="442913" algn="just">
+              <a:lnSpc>
+                <a:spcPct val="150000"/>
+              </a:lnSpc>
+              <a:buNone/>
+            </a:pPr>
+            <a:r>
+              <a:rPr lang="pt-BR" sz="2000" dirty="0">
+                <a:latin typeface="Arial" panose="020B0604020202020204" pitchFamily="34" charset="0"/>
+                <a:cs typeface="Arial" panose="020B0604020202020204" pitchFamily="34" charset="0"/>
+              </a:rPr>
+              <a:t>Expor a eficiência de ferramentas online para o apoio na diminuição da quantidade de animais em situação de rua, sendo esses animais cães e gatos, visando ajudá-los a encontrarem um lar afetivo e adequado, e a receberem os devidos cuidados de seus donos.</a:t>
+            </a:r>
+          </a:p>
+        </p:txBody>
+      </p:sp>
+      <p:sp>
+        <p:nvSpPr>
+          <p:cNvPr id="4" name="Espaço Reservado para Conteúdo 2">
+            <a:extLst>
+              <a:ext uri="{FF2B5EF4-FFF2-40B4-BE49-F238E27FC236}">
+                <a16:creationId xmlns:a16="http://schemas.microsoft.com/office/drawing/2014/main" id="{A9D32C1D-765F-BAF6-B724-CA6EC8999280}"/>
+              </a:ext>
+            </a:extLst>
+          </p:cNvPr>
+          <p:cNvSpPr txBox="1">
+            <a:spLocks/>
+          </p:cNvSpPr>
+          <p:nvPr/>
+        </p:nvSpPr>
+        <p:spPr bwMode="auto">
+          <a:xfrm>
+            <a:off x="868524" y="1525650"/>
+            <a:ext cx="10454952" cy="787226"/>
+          </a:xfrm>
+          <a:prstGeom prst="rect">
+            <a:avLst/>
+          </a:prstGeom>
+          <a:noFill/>
+          <a:ln>
+            <a:noFill/>
+          </a:ln>
+          <a:extLst>
+            <a:ext uri="{909E8E84-426E-40DD-AFC4-6F175D3DCCD1}">
+              <a14:hiddenFill xmlns:a14="http://schemas.microsoft.com/office/drawing/2010/main">
+                <a:solidFill>
+                  <a:srgbClr val="FFFFFF"/>
+                </a:solidFill>
+              </a14:hiddenFill>
+            </a:ext>
+            <a:ext uri="{91240B29-F687-4F45-9708-019B960494DF}">
+              <a14:hiddenLine xmlns:a14="http://schemas.microsoft.com/office/drawing/2010/main" w="9525">
+                <a:solidFill>
+                  <a:srgbClr val="000000"/>
+                </a:solidFill>
+                <a:miter lim="800000"/>
+                <a:headEnd/>
+                <a:tailEnd/>
+              </a14:hiddenLine>
+            </a:ext>
+          </a:extLst>
+        </p:spPr>
+        <p:txBody>
+          <a:bodyPr vert="horz" wrap="square" lIns="91440" tIns="45720" rIns="91440" bIns="45720" numCol="1" anchor="t" anchorCtr="0" compatLnSpc="1">
+            <a:prstTxWarp prst="textNoShape">
+              <a:avLst/>
+            </a:prstTxWarp>
+          </a:bodyPr>
+          <a:lstStyle>
+            <a:lvl1pPr marL="342900" indent="-342900" algn="l" rtl="0" eaLnBrk="0" fontAlgn="base" hangingPunct="0">
+              <a:spcBef>
+                <a:spcPct val="20000"/>
+              </a:spcBef>
+              <a:spcAft>
+                <a:spcPct val="0"/>
+              </a:spcAft>
+              <a:buFont typeface="Arial" panose="020B0604020202020204" pitchFamily="34" charset="0"/>
+              <a:buChar char="•"/>
+              <a:defRPr sz="3200" kern="1200">
+                <a:solidFill>
+                  <a:schemeClr val="tx1"/>
+                </a:solidFill>
+                <a:latin typeface="+mn-lt"/>
+                <a:ea typeface="+mn-ea"/>
+                <a:cs typeface="+mn-cs"/>
+              </a:defRPr>
+            </a:lvl1pPr>
+            <a:lvl2pPr marL="742950" indent="-285750" algn="l" rtl="0" eaLnBrk="0" fontAlgn="base" hangingPunct="0">
+              <a:spcBef>
+                <a:spcPct val="20000"/>
+              </a:spcBef>
+              <a:spcAft>
+                <a:spcPct val="0"/>
+              </a:spcAft>
+              <a:buFont typeface="Arial" panose="020B0604020202020204" pitchFamily="34" charset="0"/>
+              <a:buChar char="–"/>
+              <a:defRPr sz="2800" kern="1200">
+                <a:solidFill>
+                  <a:schemeClr val="tx1"/>
+                </a:solidFill>
+                <a:latin typeface="+mn-lt"/>
+                <a:ea typeface="+mn-ea"/>
+                <a:cs typeface="+mn-cs"/>
+              </a:defRPr>
+            </a:lvl2pPr>
+            <a:lvl3pPr marL="1143000" indent="-228600" algn="l" rtl="0" eaLnBrk="0" fontAlgn="base" hangingPunct="0">
+              <a:spcBef>
+                <a:spcPct val="20000"/>
+              </a:spcBef>
+              <a:spcAft>
+                <a:spcPct val="0"/>
+              </a:spcAft>
+              <a:buFont typeface="Arial" panose="020B0604020202020204" pitchFamily="34" charset="0"/>
+              <a:buChar char="•"/>
+              <a:defRPr sz="2400" kern="1200">
+                <a:solidFill>
+                  <a:schemeClr val="tx1"/>
+                </a:solidFill>
+                <a:latin typeface="+mn-lt"/>
+                <a:ea typeface="+mn-ea"/>
+                <a:cs typeface="+mn-cs"/>
+              </a:defRPr>
+            </a:lvl3pPr>
+            <a:lvl4pPr marL="1600200" indent="-228600" algn="l" rtl="0" eaLnBrk="0" fontAlgn="base" hangingPunct="0">
+              <a:spcBef>
+                <a:spcPct val="20000"/>
+              </a:spcBef>
+              <a:spcAft>
+                <a:spcPct val="0"/>
+              </a:spcAft>
+              <a:buFont typeface="Arial" panose="020B0604020202020204" pitchFamily="34" charset="0"/>
+              <a:buChar char="–"/>
+              <a:defRPr sz="2000" kern="1200">
+                <a:solidFill>
+                  <a:schemeClr val="tx1"/>
+                </a:solidFill>
+                <a:latin typeface="+mn-lt"/>
+                <a:ea typeface="+mn-ea"/>
+                <a:cs typeface="+mn-cs"/>
+              </a:defRPr>
+            </a:lvl4pPr>
+            <a:lvl5pPr marL="2057400" indent="-228600" algn="l" rtl="0" eaLnBrk="0" fontAlgn="base" hangingPunct="0">
+              <a:spcBef>
+                <a:spcPct val="20000"/>
+              </a:spcBef>
+              <a:spcAft>
+                <a:spcPct val="0"/>
+              </a:spcAft>
+              <a:buFont typeface="Arial" panose="020B0604020202020204" pitchFamily="34" charset="0"/>
+              <a:buChar char="»"/>
+              <a:defRPr sz="2000" kern="1200">
+                <a:solidFill>
+                  <a:schemeClr val="tx1"/>
+                </a:solidFill>
+                <a:latin typeface="+mn-lt"/>
+                <a:ea typeface="+mn-ea"/>
+                <a:cs typeface="+mn-cs"/>
+              </a:defRPr>
+            </a:lvl5pPr>
+            <a:lvl6pPr marL="2514600" indent="-228600" algn="l" defTabSz="914400" rtl="0" eaLnBrk="1" latinLnBrk="0" hangingPunct="1">
+              <a:spcBef>
+                <a:spcPct val="20000"/>
+              </a:spcBef>
+              <a:buFont typeface="Arial" pitchFamily="34" charset="0"/>
+              <a:buChar char="•"/>
+              <a:defRPr sz="2000" kern="1200">
+                <a:solidFill>
+                  <a:schemeClr val="tx1"/>
+                </a:solidFill>
+                <a:latin typeface="+mn-lt"/>
+                <a:ea typeface="+mn-ea"/>
+                <a:cs typeface="+mn-cs"/>
+              </a:defRPr>
+            </a:lvl6pPr>
+            <a:lvl7pPr marL="2971800" indent="-228600" algn="l" defTabSz="914400" rtl="0" eaLnBrk="1" latinLnBrk="0" hangingPunct="1">
+              <a:spcBef>
+                <a:spcPct val="20000"/>
+              </a:spcBef>
+              <a:buFont typeface="Arial" pitchFamily="34" charset="0"/>
+              <a:buChar char="•"/>
+              <a:defRPr sz="2000" kern="1200">
+                <a:solidFill>
+                  <a:schemeClr val="tx1"/>
+                </a:solidFill>
+                <a:latin typeface="+mn-lt"/>
+                <a:ea typeface="+mn-ea"/>
+                <a:cs typeface="+mn-cs"/>
+              </a:defRPr>
+            </a:lvl7pPr>
+            <a:lvl8pPr marL="3429000" indent="-228600" algn="l" defTabSz="914400" rtl="0" eaLnBrk="1" latinLnBrk="0" hangingPunct="1">
+              <a:spcBef>
+                <a:spcPct val="20000"/>
+              </a:spcBef>
+              <a:buFont typeface="Arial" pitchFamily="34" charset="0"/>
+              <a:buChar char="•"/>
+              <a:defRPr sz="2000" kern="1200">
+                <a:solidFill>
+                  <a:schemeClr val="tx1"/>
+                </a:solidFill>
+                <a:latin typeface="+mn-lt"/>
+                <a:ea typeface="+mn-ea"/>
+                <a:cs typeface="+mn-cs"/>
+              </a:defRPr>
+            </a:lvl8pPr>
+            <a:lvl9pPr marL="3886200" indent="-228600" algn="l" defTabSz="914400" rtl="0" eaLnBrk="1" latinLnBrk="0" hangingPunct="1">
+              <a:spcBef>
+                <a:spcPct val="20000"/>
+              </a:spcBef>
+              <a:buFont typeface="Arial" pitchFamily="34" charset="0"/>
+              <a:buChar char="•"/>
+              <a:defRPr sz="2000" kern="1200">
+                <a:solidFill>
+                  <a:schemeClr val="tx1"/>
+                </a:solidFill>
+                <a:latin typeface="+mn-lt"/>
+                <a:ea typeface="+mn-ea"/>
+                <a:cs typeface="+mn-cs"/>
+              </a:defRPr>
+            </a:lvl9pPr>
+          </a:lstStyle>
+          <a:p>
+            <a:pPr marL="0" indent="442913" algn="just">
+              <a:lnSpc>
+                <a:spcPct val="150000"/>
+              </a:lnSpc>
+              <a:buFont typeface="Arial" panose="020B0604020202020204" pitchFamily="34" charset="0"/>
+              <a:buNone/>
+            </a:pPr>
+            <a:r>
+              <a:rPr lang="pt-BR" sz="2800" b="1" dirty="0">
+                <a:latin typeface="Arial" panose="020B0604020202020204" pitchFamily="34" charset="0"/>
+                <a:cs typeface="Arial" panose="020B0604020202020204" pitchFamily="34" charset="0"/>
+              </a:rPr>
+              <a:t>Objetivo Geral</a:t>
+            </a:r>
+          </a:p>
+        </p:txBody>
+      </p:sp>
+    </p:spTree>
+    <p:extLst>
+      <p:ext uri="{BB962C8B-B14F-4D97-AF65-F5344CB8AC3E}">
+        <p14:creationId xmlns:p14="http://schemas.microsoft.com/office/powerpoint/2010/main" val="1394077828"/>
+      </p:ext>
+    </p:extLst>
+  </p:cSld>
+  <p:clrMapOvr>
+    <a:masterClrMapping/>
+  </p:clrMapOvr>
+</p:sld>
+</file>
+
+<file path=ppt/slides/slide25.xml><?xml version="1.0" encoding="utf-8"?>
+<p:sld xmlns:a="http://schemas.openxmlformats.org/drawingml/2006/main" xmlns:r="http://schemas.openxmlformats.org/officeDocument/2006/relationships" xmlns:p="http://schemas.openxmlformats.org/presentationml/2006/main">
+  <p:cSld>
+    <p:spTree>
+      <p:nvGrpSpPr>
+        <p:cNvPr id="1" name=""/>
+        <p:cNvGrpSpPr/>
+        <p:nvPr/>
+      </p:nvGrpSpPr>
+      <p:grpSpPr>
+        <a:xfrm>
+          <a:off x="0" y="0"/>
+          <a:ext cx="0" cy="0"/>
+          <a:chOff x="0" y="0"/>
+          <a:chExt cx="0" cy="0"/>
+        </a:xfrm>
+      </p:grpSpPr>
+      <p:sp>
+        <p:nvSpPr>
+          <p:cNvPr id="3" name="Espaço Reservado para Conteúdo 2">
+            <a:extLst>
+              <a:ext uri="{FF2B5EF4-FFF2-40B4-BE49-F238E27FC236}">
+                <a16:creationId xmlns:a16="http://schemas.microsoft.com/office/drawing/2014/main" id="{6C9C7C15-99FE-49D4-DF2B-FDC92ED77898}"/>
+              </a:ext>
+            </a:extLst>
+          </p:cNvPr>
+          <p:cNvSpPr>
+            <a:spLocks noGrp="1"/>
+          </p:cNvSpPr>
+          <p:nvPr>
+            <p:ph idx="1"/>
+          </p:nvPr>
+        </p:nvSpPr>
+        <p:spPr>
+          <a:xfrm>
+            <a:off x="868524" y="1196752"/>
+            <a:ext cx="10454952" cy="4536504"/>
+          </a:xfrm>
+        </p:spPr>
+        <p:txBody>
+          <a:bodyPr/>
+          <a:lstStyle/>
+          <a:p>
+            <a:pPr indent="450215" algn="just">
+              <a:lnSpc>
+                <a:spcPct val="150000"/>
+              </a:lnSpc>
+              <a:spcAft>
+                <a:spcPts val="800"/>
+              </a:spcAft>
+            </a:pPr>
+            <a:r>
+              <a:rPr lang="pt-BR" sz="2000" dirty="0">
+                <a:effectLst/>
+                <a:latin typeface="Arial" panose="020B0604020202020204" pitchFamily="34" charset="0"/>
+                <a:ea typeface="Calibri" panose="020F0502020204030204" pitchFamily="34" charset="0"/>
+                <a:cs typeface="Times New Roman" panose="02020603050405020304" pitchFamily="18" charset="0"/>
+              </a:rPr>
+              <a:t>Reduzir a quantidade de cães e gatos abandonados nas ruas de Bebedouro e região.</a:t>
+            </a:r>
+            <a:endParaRPr lang="pt-BR" sz="2000" dirty="0">
+              <a:effectLst/>
+              <a:latin typeface="Calibri" panose="020F0502020204030204" pitchFamily="34" charset="0"/>
+              <a:ea typeface="Calibri" panose="020F0502020204030204" pitchFamily="34" charset="0"/>
+              <a:cs typeface="Times New Roman" panose="02020603050405020304" pitchFamily="18" charset="0"/>
+            </a:endParaRPr>
+          </a:p>
+          <a:p>
+            <a:pPr indent="450215" algn="just">
+              <a:lnSpc>
+                <a:spcPct val="150000"/>
+              </a:lnSpc>
+              <a:spcAft>
+                <a:spcPts val="800"/>
+              </a:spcAft>
+            </a:pPr>
+            <a:r>
+              <a:rPr lang="pt-BR" sz="2000" dirty="0">
+                <a:effectLst/>
+                <a:latin typeface="Arial" panose="020B0604020202020204" pitchFamily="34" charset="0"/>
+                <a:ea typeface="Calibri" panose="020F0502020204030204" pitchFamily="34" charset="0"/>
+                <a:cs typeface="Times New Roman" panose="02020603050405020304" pitchFamily="18" charset="0"/>
+              </a:rPr>
+              <a:t>Incentivar e divulgar a adoção de animais, em especial daqueles que estão em uma situação de vulnerabilidade.</a:t>
+            </a:r>
+            <a:endParaRPr lang="pt-BR" sz="2000" dirty="0">
+              <a:effectLst/>
+              <a:latin typeface="Calibri" panose="020F0502020204030204" pitchFamily="34" charset="0"/>
+              <a:ea typeface="Calibri" panose="020F0502020204030204" pitchFamily="34" charset="0"/>
+              <a:cs typeface="Times New Roman" panose="02020603050405020304" pitchFamily="18" charset="0"/>
+            </a:endParaRPr>
+          </a:p>
+          <a:p>
+            <a:pPr indent="449580" algn="just">
+              <a:lnSpc>
+                <a:spcPct val="150000"/>
+              </a:lnSpc>
+              <a:spcAft>
+                <a:spcPts val="800"/>
+              </a:spcAft>
+            </a:pPr>
+            <a:r>
+              <a:rPr lang="pt-BR" sz="2000" dirty="0">
+                <a:effectLst/>
+                <a:latin typeface="Arial" panose="020B0604020202020204" pitchFamily="34" charset="0"/>
+                <a:ea typeface="Calibri" panose="020F0502020204030204" pitchFamily="34" charset="0"/>
+                <a:cs typeface="Times New Roman" panose="02020603050405020304" pitchFamily="18" charset="0"/>
+              </a:rPr>
+              <a:t>Facilitar o acesso ao recurso adotivo através do meio digital.</a:t>
+            </a:r>
+            <a:endParaRPr lang="pt-BR" sz="2000" dirty="0">
+              <a:effectLst/>
+              <a:latin typeface="Calibri" panose="020F0502020204030204" pitchFamily="34" charset="0"/>
+              <a:ea typeface="Calibri" panose="020F0502020204030204" pitchFamily="34" charset="0"/>
+              <a:cs typeface="Times New Roman" panose="02020603050405020304" pitchFamily="18" charset="0"/>
+            </a:endParaRPr>
+          </a:p>
+          <a:p>
+            <a:pPr indent="450215" algn="just">
+              <a:lnSpc>
+                <a:spcPct val="150000"/>
+              </a:lnSpc>
+              <a:spcAft>
+                <a:spcPts val="800"/>
+              </a:spcAft>
+            </a:pPr>
+            <a:r>
+              <a:rPr lang="pt-BR" sz="2000" dirty="0">
+                <a:effectLst/>
+                <a:latin typeface="Arial" panose="020B0604020202020204" pitchFamily="34" charset="0"/>
+                <a:ea typeface="Calibri" panose="020F0502020204030204" pitchFamily="34" charset="0"/>
+                <a:cs typeface="Times New Roman" panose="02020603050405020304" pitchFamily="18" charset="0"/>
+              </a:rPr>
+              <a:t>Auxiliar ONGs com doações e/ou recursos para cuidados aos animais, como ração, brinquedos, abrigos, roupas, entre outros.</a:t>
+            </a:r>
+            <a:endParaRPr lang="pt-BR" sz="2000" dirty="0">
+              <a:effectLst/>
+              <a:latin typeface="Calibri" panose="020F0502020204030204" pitchFamily="34" charset="0"/>
+              <a:ea typeface="Calibri" panose="020F0502020204030204" pitchFamily="34" charset="0"/>
+              <a:cs typeface="Times New Roman" panose="02020603050405020304" pitchFamily="18" charset="0"/>
+            </a:endParaRPr>
+          </a:p>
+          <a:p>
+            <a:pPr indent="450215" algn="just">
+              <a:lnSpc>
+                <a:spcPct val="150000"/>
+              </a:lnSpc>
+              <a:spcAft>
+                <a:spcPts val="800"/>
+              </a:spcAft>
+            </a:pPr>
+            <a:r>
+              <a:rPr lang="pt-BR" sz="2000" dirty="0">
+                <a:effectLst/>
+                <a:latin typeface="Arial" panose="020B0604020202020204" pitchFamily="34" charset="0"/>
+                <a:ea typeface="Calibri" panose="020F0502020204030204" pitchFamily="34" charset="0"/>
+                <a:cs typeface="Times New Roman" panose="02020603050405020304" pitchFamily="18" charset="0"/>
+              </a:rPr>
+              <a:t>Instigar a adoção responsável e os bons tratos aos animais.</a:t>
+            </a:r>
+            <a:endParaRPr lang="pt-BR" sz="2000" dirty="0">
+              <a:effectLst/>
+              <a:latin typeface="Calibri" panose="020F0502020204030204" pitchFamily="34" charset="0"/>
+              <a:ea typeface="Calibri" panose="020F0502020204030204" pitchFamily="34" charset="0"/>
+              <a:cs typeface="Times New Roman" panose="02020603050405020304" pitchFamily="18" charset="0"/>
+            </a:endParaRPr>
+          </a:p>
+        </p:txBody>
+      </p:sp>
+      <p:sp>
+        <p:nvSpPr>
+          <p:cNvPr id="4" name="Espaço Reservado para Conteúdo 2">
+            <a:extLst>
+              <a:ext uri="{FF2B5EF4-FFF2-40B4-BE49-F238E27FC236}">
+                <a16:creationId xmlns:a16="http://schemas.microsoft.com/office/drawing/2014/main" id="{A9D32C1D-765F-BAF6-B724-CA6EC8999280}"/>
+              </a:ext>
+            </a:extLst>
+          </p:cNvPr>
+          <p:cNvSpPr txBox="1">
+            <a:spLocks/>
+          </p:cNvSpPr>
+          <p:nvPr/>
+        </p:nvSpPr>
+        <p:spPr bwMode="auto">
+          <a:xfrm>
+            <a:off x="868524" y="332656"/>
+            <a:ext cx="10454952" cy="787226"/>
+          </a:xfrm>
+          <a:prstGeom prst="rect">
+            <a:avLst/>
+          </a:prstGeom>
+          <a:noFill/>
+          <a:ln>
+            <a:noFill/>
+          </a:ln>
+          <a:extLst>
+            <a:ext uri="{909E8E84-426E-40DD-AFC4-6F175D3DCCD1}">
+              <a14:hiddenFill xmlns:a14="http://schemas.microsoft.com/office/drawing/2010/main">
+                <a:solidFill>
+                  <a:srgbClr val="FFFFFF"/>
+                </a:solidFill>
+              </a14:hiddenFill>
+            </a:ext>
+            <a:ext uri="{91240B29-F687-4F45-9708-019B960494DF}">
+              <a14:hiddenLine xmlns:a14="http://schemas.microsoft.com/office/drawing/2010/main" w="9525">
+                <a:solidFill>
+                  <a:srgbClr val="000000"/>
+                </a:solidFill>
+                <a:miter lim="800000"/>
+                <a:headEnd/>
+                <a:tailEnd/>
+              </a14:hiddenLine>
+            </a:ext>
+          </a:extLst>
+        </p:spPr>
+        <p:txBody>
+          <a:bodyPr vert="horz" wrap="square" lIns="91440" tIns="45720" rIns="91440" bIns="45720" numCol="1" anchor="t" anchorCtr="0" compatLnSpc="1">
+            <a:prstTxWarp prst="textNoShape">
+              <a:avLst/>
+            </a:prstTxWarp>
+          </a:bodyPr>
+          <a:lstStyle>
+            <a:lvl1pPr marL="342900" indent="-342900" algn="l" rtl="0" eaLnBrk="0" fontAlgn="base" hangingPunct="0">
+              <a:spcBef>
+                <a:spcPct val="20000"/>
+              </a:spcBef>
+              <a:spcAft>
+                <a:spcPct val="0"/>
+              </a:spcAft>
+              <a:buFont typeface="Arial" panose="020B0604020202020204" pitchFamily="34" charset="0"/>
+              <a:buChar char="•"/>
+              <a:defRPr sz="3200" kern="1200">
+                <a:solidFill>
+                  <a:schemeClr val="tx1"/>
+                </a:solidFill>
+                <a:latin typeface="+mn-lt"/>
+                <a:ea typeface="+mn-ea"/>
+                <a:cs typeface="+mn-cs"/>
+              </a:defRPr>
+            </a:lvl1pPr>
+            <a:lvl2pPr marL="742950" indent="-285750" algn="l" rtl="0" eaLnBrk="0" fontAlgn="base" hangingPunct="0">
+              <a:spcBef>
+                <a:spcPct val="20000"/>
+              </a:spcBef>
+              <a:spcAft>
+                <a:spcPct val="0"/>
+              </a:spcAft>
+              <a:buFont typeface="Arial" panose="020B0604020202020204" pitchFamily="34" charset="0"/>
+              <a:buChar char="–"/>
+              <a:defRPr sz="2800" kern="1200">
+                <a:solidFill>
+                  <a:schemeClr val="tx1"/>
+                </a:solidFill>
+                <a:latin typeface="+mn-lt"/>
+                <a:ea typeface="+mn-ea"/>
+                <a:cs typeface="+mn-cs"/>
+              </a:defRPr>
+            </a:lvl2pPr>
+            <a:lvl3pPr marL="1143000" indent="-228600" algn="l" rtl="0" eaLnBrk="0" fontAlgn="base" hangingPunct="0">
+              <a:spcBef>
+                <a:spcPct val="20000"/>
+              </a:spcBef>
+              <a:spcAft>
+                <a:spcPct val="0"/>
+              </a:spcAft>
+              <a:buFont typeface="Arial" panose="020B0604020202020204" pitchFamily="34" charset="0"/>
+              <a:buChar char="•"/>
+              <a:defRPr sz="2400" kern="1200">
+                <a:solidFill>
+                  <a:schemeClr val="tx1"/>
+                </a:solidFill>
+                <a:latin typeface="+mn-lt"/>
+                <a:ea typeface="+mn-ea"/>
+                <a:cs typeface="+mn-cs"/>
+              </a:defRPr>
+            </a:lvl3pPr>
+            <a:lvl4pPr marL="1600200" indent="-228600" algn="l" rtl="0" eaLnBrk="0" fontAlgn="base" hangingPunct="0">
+              <a:spcBef>
+                <a:spcPct val="20000"/>
+              </a:spcBef>
+              <a:spcAft>
+                <a:spcPct val="0"/>
+              </a:spcAft>
+              <a:buFont typeface="Arial" panose="020B0604020202020204" pitchFamily="34" charset="0"/>
+              <a:buChar char="–"/>
+              <a:defRPr sz="2000" kern="1200">
+                <a:solidFill>
+                  <a:schemeClr val="tx1"/>
+                </a:solidFill>
+                <a:latin typeface="+mn-lt"/>
+                <a:ea typeface="+mn-ea"/>
+                <a:cs typeface="+mn-cs"/>
+              </a:defRPr>
+            </a:lvl4pPr>
+            <a:lvl5pPr marL="2057400" indent="-228600" algn="l" rtl="0" eaLnBrk="0" fontAlgn="base" hangingPunct="0">
+              <a:spcBef>
+                <a:spcPct val="20000"/>
+              </a:spcBef>
+              <a:spcAft>
+                <a:spcPct val="0"/>
+              </a:spcAft>
+              <a:buFont typeface="Arial" panose="020B0604020202020204" pitchFamily="34" charset="0"/>
+              <a:buChar char="»"/>
+              <a:defRPr sz="2000" kern="1200">
+                <a:solidFill>
+                  <a:schemeClr val="tx1"/>
+                </a:solidFill>
+                <a:latin typeface="+mn-lt"/>
+                <a:ea typeface="+mn-ea"/>
+                <a:cs typeface="+mn-cs"/>
+              </a:defRPr>
+            </a:lvl5pPr>
+            <a:lvl6pPr marL="2514600" indent="-228600" algn="l" defTabSz="914400" rtl="0" eaLnBrk="1" latinLnBrk="0" hangingPunct="1">
+              <a:spcBef>
+                <a:spcPct val="20000"/>
+              </a:spcBef>
+              <a:buFont typeface="Arial" pitchFamily="34" charset="0"/>
+              <a:buChar char="•"/>
+              <a:defRPr sz="2000" kern="1200">
+                <a:solidFill>
+                  <a:schemeClr val="tx1"/>
+                </a:solidFill>
+                <a:latin typeface="+mn-lt"/>
+                <a:ea typeface="+mn-ea"/>
+                <a:cs typeface="+mn-cs"/>
+              </a:defRPr>
+            </a:lvl6pPr>
+            <a:lvl7pPr marL="2971800" indent="-228600" algn="l" defTabSz="914400" rtl="0" eaLnBrk="1" latinLnBrk="0" hangingPunct="1">
+              <a:spcBef>
+                <a:spcPct val="20000"/>
+              </a:spcBef>
+              <a:buFont typeface="Arial" pitchFamily="34" charset="0"/>
+              <a:buChar char="•"/>
+              <a:defRPr sz="2000" kern="1200">
+                <a:solidFill>
+                  <a:schemeClr val="tx1"/>
+                </a:solidFill>
+                <a:latin typeface="+mn-lt"/>
+                <a:ea typeface="+mn-ea"/>
+                <a:cs typeface="+mn-cs"/>
+              </a:defRPr>
+            </a:lvl7pPr>
+            <a:lvl8pPr marL="3429000" indent="-228600" algn="l" defTabSz="914400" rtl="0" eaLnBrk="1" latinLnBrk="0" hangingPunct="1">
+              <a:spcBef>
+                <a:spcPct val="20000"/>
+              </a:spcBef>
+              <a:buFont typeface="Arial" pitchFamily="34" charset="0"/>
+              <a:buChar char="•"/>
+              <a:defRPr sz="2000" kern="1200">
+                <a:solidFill>
+                  <a:schemeClr val="tx1"/>
+                </a:solidFill>
+                <a:latin typeface="+mn-lt"/>
+                <a:ea typeface="+mn-ea"/>
+                <a:cs typeface="+mn-cs"/>
+              </a:defRPr>
+            </a:lvl8pPr>
+            <a:lvl9pPr marL="3886200" indent="-228600" algn="l" defTabSz="914400" rtl="0" eaLnBrk="1" latinLnBrk="0" hangingPunct="1">
+              <a:spcBef>
+                <a:spcPct val="20000"/>
+              </a:spcBef>
+              <a:buFont typeface="Arial" pitchFamily="34" charset="0"/>
+              <a:buChar char="•"/>
+              <a:defRPr sz="2000" kern="1200">
+                <a:solidFill>
+                  <a:schemeClr val="tx1"/>
+                </a:solidFill>
+                <a:latin typeface="+mn-lt"/>
+                <a:ea typeface="+mn-ea"/>
+                <a:cs typeface="+mn-cs"/>
+              </a:defRPr>
+            </a:lvl9pPr>
+          </a:lstStyle>
+          <a:p>
+            <a:pPr marL="0" indent="442913" algn="just">
+              <a:lnSpc>
+                <a:spcPct val="150000"/>
+              </a:lnSpc>
+              <a:buFont typeface="Arial" panose="020B0604020202020204" pitchFamily="34" charset="0"/>
+              <a:buNone/>
+            </a:pPr>
+            <a:r>
+              <a:rPr lang="pt-BR" sz="2800" b="1" dirty="0">
+                <a:latin typeface="Arial" panose="020B0604020202020204" pitchFamily="34" charset="0"/>
+                <a:cs typeface="Arial" panose="020B0604020202020204" pitchFamily="34" charset="0"/>
+              </a:rPr>
+              <a:t>Objetivos Específicos</a:t>
+            </a:r>
+          </a:p>
+        </p:txBody>
+      </p:sp>
+    </p:spTree>
+    <p:extLst>
+      <p:ext uri="{BB962C8B-B14F-4D97-AF65-F5344CB8AC3E}">
+        <p14:creationId xmlns:p14="http://schemas.microsoft.com/office/powerpoint/2010/main" val="2236950184"/>
+      </p:ext>
+    </p:extLst>
+  </p:cSld>
+  <p:clrMapOvr>
+    <a:masterClrMapping/>
+  </p:clrMapOvr>
+</p:sld>
+</file>
+
+<file path=ppt/slides/slide26.xml><?xml version="1.0" encoding="utf-8"?>
+<p:sld xmlns:a="http://schemas.openxmlformats.org/drawingml/2006/main" xmlns:r="http://schemas.openxmlformats.org/officeDocument/2006/relationships" xmlns:p="http://schemas.openxmlformats.org/presentationml/2006/main">
+  <p:cSld>
+    <p:spTree>
+      <p:nvGrpSpPr>
+        <p:cNvPr id="1" name=""/>
+        <p:cNvGrpSpPr/>
+        <p:nvPr/>
+      </p:nvGrpSpPr>
+      <p:grpSpPr>
+        <a:xfrm>
+          <a:off x="0" y="0"/>
+          <a:ext cx="0" cy="0"/>
+          <a:chOff x="0" y="0"/>
+          <a:chExt cx="0" cy="0"/>
+        </a:xfrm>
+      </p:grpSpPr>
+      <p:sp>
+        <p:nvSpPr>
+          <p:cNvPr id="3" name="Espaço Reservado para Conteúdo 2">
+            <a:extLst>
+              <a:ext uri="{FF2B5EF4-FFF2-40B4-BE49-F238E27FC236}">
+                <a16:creationId xmlns:a16="http://schemas.microsoft.com/office/drawing/2014/main" id="{6C9C7C15-99FE-49D4-DF2B-FDC92ED77898}"/>
+              </a:ext>
+            </a:extLst>
+          </p:cNvPr>
+          <p:cNvSpPr>
+            <a:spLocks noGrp="1"/>
+          </p:cNvSpPr>
+          <p:nvPr>
+            <p:ph idx="1"/>
+          </p:nvPr>
+        </p:nvSpPr>
+        <p:spPr>
+          <a:xfrm>
+            <a:off x="868524" y="1556792"/>
+            <a:ext cx="10454952" cy="4176464"/>
+          </a:xfrm>
+        </p:spPr>
+        <p:txBody>
+          <a:bodyPr/>
+          <a:lstStyle/>
+          <a:p>
+            <a:pPr marL="0" indent="442913" algn="just">
+              <a:lnSpc>
+                <a:spcPct val="150000"/>
+              </a:lnSpc>
+              <a:spcAft>
+                <a:spcPts val="800"/>
+              </a:spcAft>
+              <a:buNone/>
+            </a:pPr>
+            <a:r>
+              <a:rPr lang="pt-BR" sz="2000" dirty="0">
+                <a:effectLst/>
+                <a:latin typeface="Arial" panose="020B0604020202020204" pitchFamily="34" charset="0"/>
+                <a:ea typeface="Calibri" panose="020F0502020204030204" pitchFamily="34" charset="0"/>
+                <a:cs typeface="Arial" panose="020B0604020202020204" pitchFamily="34" charset="0"/>
+              </a:rPr>
+              <a:t>Nas ruas de diversos municípios, é </a:t>
+            </a:r>
+            <a:r>
+              <a:rPr lang="pt-BR" sz="2000" dirty="0">
+                <a:latin typeface="Arial" panose="020B0604020202020204" pitchFamily="34" charset="0"/>
+                <a:ea typeface="Calibri" panose="020F0502020204030204" pitchFamily="34" charset="0"/>
+                <a:cs typeface="Arial" panose="020B0604020202020204" pitchFamily="34" charset="0"/>
+              </a:rPr>
+              <a:t>possível recorrentemente observar </a:t>
+            </a:r>
+            <a:r>
+              <a:rPr lang="pt-BR" sz="2000" dirty="0">
+                <a:effectLst/>
+                <a:latin typeface="Arial" panose="020B0604020202020204" pitchFamily="34" charset="0"/>
+                <a:ea typeface="Calibri" panose="020F0502020204030204" pitchFamily="34" charset="0"/>
+                <a:cs typeface="Arial" panose="020B0604020202020204" pitchFamily="34" charset="0"/>
+              </a:rPr>
+              <a:t>a presença de cães e gatos em situação de abandono, muitas vezes apresentando hematomas devido a brigas com outros animais ou em acidentes, colocando suas vidas em risco. </a:t>
+            </a:r>
+          </a:p>
+          <a:p>
+            <a:pPr marL="0" indent="442913" algn="just">
+              <a:lnSpc>
+                <a:spcPct val="150000"/>
+              </a:lnSpc>
+              <a:spcAft>
+                <a:spcPts val="800"/>
+              </a:spcAft>
+              <a:buNone/>
+            </a:pPr>
+            <a:r>
+              <a:rPr lang="pt-BR" sz="2000" dirty="0">
+                <a:effectLst/>
+                <a:latin typeface="Arial" panose="020B0604020202020204" pitchFamily="34" charset="0"/>
+                <a:ea typeface="Calibri" panose="020F0502020204030204" pitchFamily="34" charset="0"/>
+                <a:cs typeface="Arial" panose="020B0604020202020204" pitchFamily="34" charset="0"/>
+              </a:rPr>
+              <a:t>A importância desse assunto remete aos cuidados de bichos de estimação e ao resgate desses animais para garantir sua segurança.</a:t>
+            </a:r>
+          </a:p>
+          <a:p>
+            <a:pPr marL="0" indent="442913" algn="just">
+              <a:lnSpc>
+                <a:spcPct val="150000"/>
+              </a:lnSpc>
+              <a:spcAft>
+                <a:spcPts val="800"/>
+              </a:spcAft>
+              <a:buNone/>
+            </a:pPr>
+            <a:r>
+              <a:rPr lang="pt-BR" sz="2000" dirty="0">
+                <a:effectLst/>
+                <a:latin typeface="Arial" panose="020B0604020202020204" pitchFamily="34" charset="0"/>
+                <a:ea typeface="Calibri" panose="020F0502020204030204" pitchFamily="34" charset="0"/>
+                <a:cs typeface="Arial" panose="020B0604020202020204" pitchFamily="34" charset="0"/>
+              </a:rPr>
+              <a:t>Os benefícios desta pesquisa e do desenvolvimento do web site visam não apenas a redução de animais domésticos nas ruas, em específico cães e gatos, como também a aprendizagem, a aplicação de tecnologia para mitigar problemas sociais, auxiliar pessoas </a:t>
+            </a:r>
+          </a:p>
+          <a:p>
+            <a:pPr indent="0" algn="just">
+              <a:lnSpc>
+                <a:spcPct val="150000"/>
+              </a:lnSpc>
+              <a:spcAft>
+                <a:spcPts val="800"/>
+              </a:spcAft>
+              <a:buNone/>
+            </a:pPr>
+            <a:endParaRPr lang="pt-BR" sz="2000" dirty="0">
+              <a:effectLst/>
+              <a:latin typeface="Calibri" panose="020F0502020204030204" pitchFamily="34" charset="0"/>
+              <a:ea typeface="Calibri" panose="020F0502020204030204" pitchFamily="34" charset="0"/>
+              <a:cs typeface="Times New Roman" panose="02020603050405020304" pitchFamily="18" charset="0"/>
+            </a:endParaRPr>
+          </a:p>
+        </p:txBody>
+      </p:sp>
+      <p:sp>
+        <p:nvSpPr>
+          <p:cNvPr id="4" name="Espaço Reservado para Conteúdo 2">
+            <a:extLst>
+              <a:ext uri="{FF2B5EF4-FFF2-40B4-BE49-F238E27FC236}">
+                <a16:creationId xmlns:a16="http://schemas.microsoft.com/office/drawing/2014/main" id="{A9D32C1D-765F-BAF6-B724-CA6EC8999280}"/>
+              </a:ext>
+            </a:extLst>
+          </p:cNvPr>
+          <p:cNvSpPr txBox="1">
+            <a:spLocks/>
+          </p:cNvSpPr>
+          <p:nvPr/>
+        </p:nvSpPr>
+        <p:spPr bwMode="auto">
+          <a:xfrm>
+            <a:off x="868524" y="332656"/>
+            <a:ext cx="10454952" cy="1080120"/>
+          </a:xfrm>
+          <a:prstGeom prst="rect">
+            <a:avLst/>
+          </a:prstGeom>
+          <a:noFill/>
+          <a:ln>
+            <a:noFill/>
+          </a:ln>
+          <a:extLst>
+            <a:ext uri="{909E8E84-426E-40DD-AFC4-6F175D3DCCD1}">
+              <a14:hiddenFill xmlns:a14="http://schemas.microsoft.com/office/drawing/2010/main">
+                <a:solidFill>
+                  <a:srgbClr val="FFFFFF"/>
+                </a:solidFill>
+              </a14:hiddenFill>
+            </a:ext>
+            <a:ext uri="{91240B29-F687-4F45-9708-019B960494DF}">
+              <a14:hiddenLine xmlns:a14="http://schemas.microsoft.com/office/drawing/2010/main" w="9525">
+                <a:solidFill>
+                  <a:srgbClr val="000000"/>
+                </a:solidFill>
+                <a:miter lim="800000"/>
+                <a:headEnd/>
+                <a:tailEnd/>
+              </a14:hiddenLine>
+            </a:ext>
+          </a:extLst>
+        </p:spPr>
+        <p:txBody>
+          <a:bodyPr vert="horz" wrap="square" lIns="91440" tIns="45720" rIns="91440" bIns="45720" numCol="1" anchor="t" anchorCtr="0" compatLnSpc="1">
+            <a:prstTxWarp prst="textNoShape">
+              <a:avLst/>
+            </a:prstTxWarp>
+          </a:bodyPr>
+          <a:lstStyle>
+            <a:lvl1pPr marL="342900" indent="-342900" algn="l" rtl="0" eaLnBrk="0" fontAlgn="base" hangingPunct="0">
+              <a:spcBef>
+                <a:spcPct val="20000"/>
+              </a:spcBef>
+              <a:spcAft>
+                <a:spcPct val="0"/>
+              </a:spcAft>
+              <a:buFont typeface="Arial" panose="020B0604020202020204" pitchFamily="34" charset="0"/>
+              <a:buChar char="•"/>
+              <a:defRPr sz="3200" kern="1200">
+                <a:solidFill>
+                  <a:schemeClr val="tx1"/>
+                </a:solidFill>
+                <a:latin typeface="+mn-lt"/>
+                <a:ea typeface="+mn-ea"/>
+                <a:cs typeface="+mn-cs"/>
+              </a:defRPr>
+            </a:lvl1pPr>
+            <a:lvl2pPr marL="742950" indent="-285750" algn="l" rtl="0" eaLnBrk="0" fontAlgn="base" hangingPunct="0">
+              <a:spcBef>
+                <a:spcPct val="20000"/>
+              </a:spcBef>
+              <a:spcAft>
+                <a:spcPct val="0"/>
+              </a:spcAft>
+              <a:buFont typeface="Arial" panose="020B0604020202020204" pitchFamily="34" charset="0"/>
+              <a:buChar char="–"/>
+              <a:defRPr sz="2800" kern="1200">
+                <a:solidFill>
+                  <a:schemeClr val="tx1"/>
+                </a:solidFill>
+                <a:latin typeface="+mn-lt"/>
+                <a:ea typeface="+mn-ea"/>
+                <a:cs typeface="+mn-cs"/>
+              </a:defRPr>
+            </a:lvl2pPr>
+            <a:lvl3pPr marL="1143000" indent="-228600" algn="l" rtl="0" eaLnBrk="0" fontAlgn="base" hangingPunct="0">
+              <a:spcBef>
+                <a:spcPct val="20000"/>
+              </a:spcBef>
+              <a:spcAft>
+                <a:spcPct val="0"/>
+              </a:spcAft>
+              <a:buFont typeface="Arial" panose="020B0604020202020204" pitchFamily="34" charset="0"/>
+              <a:buChar char="•"/>
+              <a:defRPr sz="2400" kern="1200">
+                <a:solidFill>
+                  <a:schemeClr val="tx1"/>
+                </a:solidFill>
+                <a:latin typeface="+mn-lt"/>
+                <a:ea typeface="+mn-ea"/>
+                <a:cs typeface="+mn-cs"/>
+              </a:defRPr>
+            </a:lvl3pPr>
+            <a:lvl4pPr marL="1600200" indent="-228600" algn="l" rtl="0" eaLnBrk="0" fontAlgn="base" hangingPunct="0">
+              <a:spcBef>
+                <a:spcPct val="20000"/>
+              </a:spcBef>
+              <a:spcAft>
+                <a:spcPct val="0"/>
+              </a:spcAft>
+              <a:buFont typeface="Arial" panose="020B0604020202020204" pitchFamily="34" charset="0"/>
+              <a:buChar char="–"/>
+              <a:defRPr sz="2000" kern="1200">
+                <a:solidFill>
+                  <a:schemeClr val="tx1"/>
+                </a:solidFill>
+                <a:latin typeface="+mn-lt"/>
+                <a:ea typeface="+mn-ea"/>
+                <a:cs typeface="+mn-cs"/>
+              </a:defRPr>
+            </a:lvl4pPr>
+            <a:lvl5pPr marL="2057400" indent="-228600" algn="l" rtl="0" eaLnBrk="0" fontAlgn="base" hangingPunct="0">
+              <a:spcBef>
+                <a:spcPct val="20000"/>
+              </a:spcBef>
+              <a:spcAft>
+                <a:spcPct val="0"/>
+              </a:spcAft>
+              <a:buFont typeface="Arial" panose="020B0604020202020204" pitchFamily="34" charset="0"/>
+              <a:buChar char="»"/>
+              <a:defRPr sz="2000" kern="1200">
+                <a:solidFill>
+                  <a:schemeClr val="tx1"/>
+                </a:solidFill>
+                <a:latin typeface="+mn-lt"/>
+                <a:ea typeface="+mn-ea"/>
+                <a:cs typeface="+mn-cs"/>
+              </a:defRPr>
+            </a:lvl5pPr>
+            <a:lvl6pPr marL="2514600" indent="-228600" algn="l" defTabSz="914400" rtl="0" eaLnBrk="1" latinLnBrk="0" hangingPunct="1">
+              <a:spcBef>
+                <a:spcPct val="20000"/>
+              </a:spcBef>
+              <a:buFont typeface="Arial" pitchFamily="34" charset="0"/>
+              <a:buChar char="•"/>
+              <a:defRPr sz="2000" kern="1200">
+                <a:solidFill>
+                  <a:schemeClr val="tx1"/>
+                </a:solidFill>
+                <a:latin typeface="+mn-lt"/>
+                <a:ea typeface="+mn-ea"/>
+                <a:cs typeface="+mn-cs"/>
+              </a:defRPr>
+            </a:lvl6pPr>
+            <a:lvl7pPr marL="2971800" indent="-228600" algn="l" defTabSz="914400" rtl="0" eaLnBrk="1" latinLnBrk="0" hangingPunct="1">
+              <a:spcBef>
+                <a:spcPct val="20000"/>
+              </a:spcBef>
+              <a:buFont typeface="Arial" pitchFamily="34" charset="0"/>
+              <a:buChar char="•"/>
+              <a:defRPr sz="2000" kern="1200">
+                <a:solidFill>
+                  <a:schemeClr val="tx1"/>
+                </a:solidFill>
+                <a:latin typeface="+mn-lt"/>
+                <a:ea typeface="+mn-ea"/>
+                <a:cs typeface="+mn-cs"/>
+              </a:defRPr>
+            </a:lvl7pPr>
+            <a:lvl8pPr marL="3429000" indent="-228600" algn="l" defTabSz="914400" rtl="0" eaLnBrk="1" latinLnBrk="0" hangingPunct="1">
+              <a:spcBef>
+                <a:spcPct val="20000"/>
+              </a:spcBef>
+              <a:buFont typeface="Arial" pitchFamily="34" charset="0"/>
+              <a:buChar char="•"/>
+              <a:defRPr sz="2000" kern="1200">
+                <a:solidFill>
+                  <a:schemeClr val="tx1"/>
+                </a:solidFill>
+                <a:latin typeface="+mn-lt"/>
+                <a:ea typeface="+mn-ea"/>
+                <a:cs typeface="+mn-cs"/>
+              </a:defRPr>
+            </a:lvl8pPr>
+            <a:lvl9pPr marL="3886200" indent="-228600" algn="l" defTabSz="914400" rtl="0" eaLnBrk="1" latinLnBrk="0" hangingPunct="1">
+              <a:spcBef>
+                <a:spcPct val="20000"/>
+              </a:spcBef>
+              <a:buFont typeface="Arial" pitchFamily="34" charset="0"/>
+              <a:buChar char="•"/>
+              <a:defRPr sz="2000" kern="1200">
+                <a:solidFill>
+                  <a:schemeClr val="tx1"/>
+                </a:solidFill>
+                <a:latin typeface="+mn-lt"/>
+                <a:ea typeface="+mn-ea"/>
+                <a:cs typeface="+mn-cs"/>
+              </a:defRPr>
+            </a:lvl9pPr>
+          </a:lstStyle>
+          <a:p>
+            <a:pPr marL="0" indent="0" algn="ctr">
+              <a:lnSpc>
+                <a:spcPct val="150000"/>
+              </a:lnSpc>
+              <a:buFont typeface="Arial" panose="020B0604020202020204" pitchFamily="34" charset="0"/>
+              <a:buNone/>
+            </a:pPr>
+            <a:r>
+              <a:rPr lang="pt-BR" sz="4400" dirty="0">
+                <a:latin typeface="Arial" panose="020B0604020202020204" pitchFamily="34" charset="0"/>
+                <a:cs typeface="Arial" panose="020B0604020202020204" pitchFamily="34" charset="0"/>
+              </a:rPr>
+              <a:t>Justificativa</a:t>
+            </a:r>
+          </a:p>
+        </p:txBody>
+      </p:sp>
+    </p:spTree>
+    <p:extLst>
+      <p:ext uri="{BB962C8B-B14F-4D97-AF65-F5344CB8AC3E}">
+        <p14:creationId xmlns:p14="http://schemas.microsoft.com/office/powerpoint/2010/main" val="3813928170"/>
+      </p:ext>
+    </p:extLst>
+  </p:cSld>
+  <p:clrMapOvr>
+    <a:masterClrMapping/>
+  </p:clrMapOvr>
+</p:sld>
+</file>
+
+<file path=ppt/slides/slide27.xml><?xml version="1.0" encoding="utf-8"?>
+<p:sld xmlns:a="http://schemas.openxmlformats.org/drawingml/2006/main" xmlns:r="http://schemas.openxmlformats.org/officeDocument/2006/relationships" xmlns:p="http://schemas.openxmlformats.org/presentationml/2006/main">
+  <p:cSld>
+    <p:spTree>
+      <p:nvGrpSpPr>
+        <p:cNvPr id="1" name=""/>
+        <p:cNvGrpSpPr/>
+        <p:nvPr/>
+      </p:nvGrpSpPr>
+      <p:grpSpPr>
+        <a:xfrm>
+          <a:off x="0" y="0"/>
+          <a:ext cx="0" cy="0"/>
+          <a:chOff x="0" y="0"/>
+          <a:chExt cx="0" cy="0"/>
+        </a:xfrm>
+      </p:grpSpPr>
+      <p:sp>
+        <p:nvSpPr>
+          <p:cNvPr id="3" name="Espaço Reservado para Conteúdo 2">
+            <a:extLst>
+              <a:ext uri="{FF2B5EF4-FFF2-40B4-BE49-F238E27FC236}">
+                <a16:creationId xmlns:a16="http://schemas.microsoft.com/office/drawing/2014/main" id="{6C9C7C15-99FE-49D4-DF2B-FDC92ED77898}"/>
+              </a:ext>
+            </a:extLst>
+          </p:cNvPr>
+          <p:cNvSpPr>
+            <a:spLocks noGrp="1"/>
+          </p:cNvSpPr>
+          <p:nvPr>
+            <p:ph idx="1"/>
+          </p:nvPr>
+        </p:nvSpPr>
+        <p:spPr>
+          <a:xfrm>
+            <a:off x="868524" y="620688"/>
+            <a:ext cx="10454952" cy="5276682"/>
+          </a:xfrm>
+        </p:spPr>
+        <p:txBody>
+          <a:bodyPr/>
+          <a:lstStyle/>
+          <a:p>
+            <a:pPr marL="0" indent="0" algn="just">
+              <a:lnSpc>
+                <a:spcPct val="150000"/>
+              </a:lnSpc>
+              <a:spcAft>
+                <a:spcPts val="800"/>
+              </a:spcAft>
+              <a:buNone/>
+            </a:pPr>
+            <a:r>
+              <a:rPr lang="pt-BR" sz="2000" dirty="0">
+                <a:effectLst/>
+                <a:latin typeface="Arial" panose="020B0604020202020204" pitchFamily="34" charset="0"/>
+                <a:ea typeface="Calibri" panose="020F0502020204030204" pitchFamily="34" charset="0"/>
+                <a:cs typeface="Arial" panose="020B0604020202020204" pitchFamily="34" charset="0"/>
+              </a:rPr>
+              <a:t>sobre a relevância de aparelhos tecnológicos, e, ainda, a conscientizar sobre a devida responsabilidade com vidas animais através da internet.</a:t>
+            </a:r>
+          </a:p>
+          <a:p>
+            <a:pPr marL="0" indent="442913" algn="just">
+              <a:lnSpc>
+                <a:spcPct val="150000"/>
+              </a:lnSpc>
+              <a:spcAft>
+                <a:spcPts val="800"/>
+              </a:spcAft>
+              <a:buNone/>
+            </a:pPr>
+            <a:r>
+              <a:rPr lang="pt-BR" sz="2000" dirty="0">
+                <a:effectLst/>
+                <a:latin typeface="Arial" panose="020B0604020202020204" pitchFamily="34" charset="0"/>
+                <a:ea typeface="Calibri" panose="020F0502020204030204" pitchFamily="34" charset="0"/>
+                <a:cs typeface="Arial" panose="020B0604020202020204" pitchFamily="34" charset="0"/>
+              </a:rPr>
+              <a:t>Além do mais, este estudo contribui para o aumento do conhecimento na área de informática, na ajuda comunitária, dando apoio a ONGs, e para cuidados com os animais em situações vulneráveis. Também tem o potencial de reduzir acidentes de trânsito ocasionados por esses animais que sobrevivem nas ruas, promovendo assim um ambiente mais seguro para todos.</a:t>
+            </a:r>
+          </a:p>
+          <a:p>
+            <a:pPr marL="0" indent="442913" algn="just">
+              <a:lnSpc>
+                <a:spcPct val="150000"/>
+              </a:lnSpc>
+              <a:spcAft>
+                <a:spcPts val="800"/>
+              </a:spcAft>
+              <a:buNone/>
+            </a:pPr>
+            <a:r>
+              <a:rPr lang="pt-BR" sz="2000" dirty="0">
+                <a:effectLst/>
+                <a:latin typeface="Arial" panose="020B0604020202020204" pitchFamily="34" charset="0"/>
+                <a:ea typeface="Calibri" panose="020F0502020204030204" pitchFamily="34" charset="0"/>
+                <a:cs typeface="Arial" panose="020B0604020202020204" pitchFamily="34" charset="0"/>
+              </a:rPr>
+              <a:t>Por fim, a abordagem integrada apresentada tem como propósito proporcionar uma solução inovadora, eficiente e sustentável para o problema dos animais abandonados, promovendo a responsabilidade com o meio social e da inovação tecnológica.</a:t>
+            </a:r>
+          </a:p>
+          <a:p>
+            <a:pPr marL="0" indent="442913" algn="just">
+              <a:lnSpc>
+                <a:spcPct val="150000"/>
+              </a:lnSpc>
+              <a:spcAft>
+                <a:spcPts val="800"/>
+              </a:spcAft>
+              <a:buNone/>
+            </a:pPr>
+            <a:endParaRPr lang="pt-BR" sz="2000" dirty="0">
+              <a:effectLst/>
+              <a:latin typeface="Arial" panose="020B0604020202020204" pitchFamily="34" charset="0"/>
+              <a:ea typeface="Calibri" panose="020F0502020204030204" pitchFamily="34" charset="0"/>
+              <a:cs typeface="Arial" panose="020B0604020202020204" pitchFamily="34" charset="0"/>
+            </a:endParaRPr>
+          </a:p>
+        </p:txBody>
+      </p:sp>
+    </p:spTree>
+    <p:extLst>
+      <p:ext uri="{BB962C8B-B14F-4D97-AF65-F5344CB8AC3E}">
+        <p14:creationId xmlns:p14="http://schemas.microsoft.com/office/powerpoint/2010/main" val="1334726352"/>
+      </p:ext>
+    </p:extLst>
+  </p:cSld>
+  <p:clrMapOvr>
+    <a:masterClrMapping/>
+  </p:clrMapOvr>
+</p:sld>
+</file>
+
+<file path=ppt/slides/slide28.xml><?xml version="1.0" encoding="utf-8"?>
+<p:sld xmlns:a="http://schemas.openxmlformats.org/drawingml/2006/main" xmlns:r="http://schemas.openxmlformats.org/officeDocument/2006/relationships" xmlns:p="http://schemas.openxmlformats.org/presentationml/2006/main">
+  <p:cSld>
+    <p:spTree>
+      <p:nvGrpSpPr>
+        <p:cNvPr id="1" name=""/>
+        <p:cNvGrpSpPr/>
+        <p:nvPr/>
+      </p:nvGrpSpPr>
+      <p:grpSpPr>
+        <a:xfrm>
+          <a:off x="0" y="0"/>
+          <a:ext cx="0" cy="0"/>
+          <a:chOff x="0" y="0"/>
+          <a:chExt cx="0" cy="0"/>
+        </a:xfrm>
+      </p:grpSpPr>
+      <p:sp>
+        <p:nvSpPr>
+          <p:cNvPr id="2" name="Título 1">
+            <a:extLst>
+              <a:ext uri="{FF2B5EF4-FFF2-40B4-BE49-F238E27FC236}">
                 <a16:creationId xmlns:a16="http://schemas.microsoft.com/office/drawing/2014/main" id="{D2F9BE4E-6131-30D3-E5FF-48FB03ECE0F8}"/>
               </a:ext>
             </a:extLst>
@@ -5724,7 +6966,7 @@
             <a:pPr indent="442913" algn="just"/>
             <a:r>
               <a:rPr lang="pt-BR" sz="2000" dirty="0"/>
-              <a:t>Mesmo que há abrigos para animais que são de rua em nossas cidades, existe pouca informação sobre eles na internet, tão pouco sites que mostram a adoção de cachorros e gatos. Ainda que as cidades não sejam grandes, ajudar a região a reduzir os casos de abandono e aumentar a adoção dos bichinhos será nosso objetivo, e o site auxiliará esse processo repassando a informação e mostrando animais que foram resgatados e postos para adoção.</a:t>
+              <a:t>Mesmo que haja abrigos para animais que são de rua em nossas cidades, existe pouca informação sobre eles na internet, tão pouco sites que mostram a adoção de cachorros e gatos. Ainda que as cidades não sejam grandes, ajudar a região a reduzir os casos de abandono e aumentar a adoção dos bichinhos será nosso objetivo, e o site auxiliará esse processo repassando a informação e mostrando animais que foram resgatados e postos para adoção.</a:t>
             </a:r>
           </a:p>
         </p:txBody>
@@ -5812,8 +7054,8 @@
         </p:nvSpPr>
         <p:spPr>
           <a:xfrm>
-            <a:off x="3755740" y="1797157"/>
-            <a:ext cx="4680520" cy="707886"/>
+            <a:off x="1960321" y="2204864"/>
+            <a:ext cx="8271357" cy="2092881"/>
           </a:xfrm>
           <a:prstGeom prst="rect">
             <a:avLst/>
@@ -5826,83 +7068,51 @@
           </a:bodyPr>
           <a:lstStyle/>
           <a:p>
-            <a:pPr algn="ctr"/>
+            <a:pPr marL="342900" indent="-342900" algn="just">
+              <a:lnSpc>
+                <a:spcPct val="150000"/>
+              </a:lnSpc>
+              <a:buFont typeface="Arial" panose="020B0604020202020204" pitchFamily="34" charset="0"/>
+              <a:buChar char="•"/>
+            </a:pPr>
             <a:r>
               <a:rPr lang="pt-BR" sz="2000" dirty="0"/>
               <a:t>Área de visualização de direitos e deveres responsáveis na adoção</a:t>
             </a:r>
           </a:p>
-        </p:txBody>
-      </p:sp>
-      <p:sp>
-        <p:nvSpPr>
-          <p:cNvPr id="7" name="CaixaDeTexto 6">
-            <a:extLst>
-              <a:ext uri="{FF2B5EF4-FFF2-40B4-BE49-F238E27FC236}">
-                <a16:creationId xmlns:a16="http://schemas.microsoft.com/office/drawing/2014/main" id="{E6F4D98F-BD1D-4FCE-B325-9C0120FCB398}"/>
-              </a:ext>
-            </a:extLst>
-          </p:cNvPr>
-          <p:cNvSpPr txBox="1"/>
-          <p:nvPr/>
-        </p:nvSpPr>
-        <p:spPr>
-          <a:xfrm>
-            <a:off x="3575720" y="2791638"/>
-            <a:ext cx="5040560" cy="707886"/>
-          </a:xfrm>
-          <a:prstGeom prst="rect">
-            <a:avLst/>
-          </a:prstGeom>
-          <a:noFill/>
-        </p:spPr>
-        <p:txBody>
-          <a:bodyPr wrap="square" rtlCol="0">
-            <a:spAutoFit/>
-          </a:bodyPr>
-          <a:lstStyle/>
-          <a:p>
-            <a:pPr algn="ctr"/>
+          <a:p>
+            <a:pPr marL="342900" indent="-342900" algn="just">
+              <a:lnSpc>
+                <a:spcPct val="150000"/>
+              </a:lnSpc>
+              <a:buFont typeface="Arial" panose="020B0604020202020204" pitchFamily="34" charset="0"/>
+              <a:buChar char="•"/>
+            </a:pPr>
             <a:r>
               <a:rPr lang="pt-BR" sz="2000" dirty="0"/>
               <a:t>Seção de cães e gatos que já foram adotados</a:t>
             </a:r>
           </a:p>
-        </p:txBody>
-      </p:sp>
-      <p:sp>
-        <p:nvSpPr>
-          <p:cNvPr id="8" name="CaixaDeTexto 7">
-            <a:extLst>
-              <a:ext uri="{FF2B5EF4-FFF2-40B4-BE49-F238E27FC236}">
-                <a16:creationId xmlns:a16="http://schemas.microsoft.com/office/drawing/2014/main" id="{F00BB6E5-FD08-419B-B82A-EC0523AC92C2}"/>
-              </a:ext>
-            </a:extLst>
-          </p:cNvPr>
-          <p:cNvSpPr txBox="1"/>
-          <p:nvPr/>
-        </p:nvSpPr>
-        <p:spPr>
-          <a:xfrm>
-            <a:off x="3791744" y="3657218"/>
-            <a:ext cx="4608512" cy="707886"/>
-          </a:xfrm>
-          <a:prstGeom prst="rect">
-            <a:avLst/>
-          </a:prstGeom>
-          <a:noFill/>
-        </p:spPr>
-        <p:txBody>
-          <a:bodyPr wrap="square" rtlCol="0">
-            <a:spAutoFit/>
-          </a:bodyPr>
-          <a:lstStyle/>
-          <a:p>
-            <a:pPr algn="ctr"/>
+          <a:p>
+            <a:pPr marL="342900" indent="-342900" algn="just">
+              <a:lnSpc>
+                <a:spcPct val="150000"/>
+              </a:lnSpc>
+              <a:buFont typeface="Arial" panose="020B0604020202020204" pitchFamily="34" charset="0"/>
+              <a:buChar char="•"/>
+            </a:pPr>
             <a:r>
               <a:rPr lang="pt-BR" sz="2000" dirty="0"/>
               <a:t>Meios de comunicação para suporte ao usuário</a:t>
             </a:r>
+          </a:p>
+          <a:p>
+            <a:pPr algn="ctr"/>
+            <a:endParaRPr lang="pt-BR" sz="2000" dirty="0"/>
+          </a:p>
+          <a:p>
+            <a:pPr algn="ctr"/>
+            <a:endParaRPr lang="pt-BR" sz="2000" dirty="0"/>
           </a:p>
         </p:txBody>
       </p:sp>
@@ -5985,7 +7195,7 @@
         </p:nvSpPr>
         <p:spPr>
           <a:xfrm>
-            <a:off x="609600" y="1892415"/>
+            <a:off x="609600" y="1818568"/>
             <a:ext cx="10972800" cy="1800200"/>
           </a:xfrm>
         </p:spPr>
@@ -5993,7 +7203,7 @@
           <a:bodyPr/>
           <a:lstStyle/>
           <a:p>
-            <a:pPr algn="just"/>
+            <a:pPr marL="263525" indent="-263525" algn="just"/>
             <a:r>
               <a:rPr lang="pt-BR" sz="2000" b="1" dirty="0">
                 <a:latin typeface="Arial" panose="020B0604020202020204" pitchFamily="34" charset="0"/>
@@ -6006,7 +7216,7 @@
                 <a:latin typeface="Arial" panose="020B0604020202020204" pitchFamily="34" charset="0"/>
                 <a:cs typeface="Arial" panose="020B0604020202020204" pitchFamily="34" charset="0"/>
               </a:rPr>
-              <a:t>: De acordo com a matéria divulgada no Jornal da USP, nas ruas, há cerce de 30 milhões de animais abandonados no Brasil. Assim, ações referentes à essas situações não só ajudariam esses animais como também fariam com que nosso negócio durasse e funcionasse como nós planejamos.</a:t>
+              <a:t>: De acordo com a matéria divulgada no Jornal da USP, nas ruas, há cerce de 30 milhões de animais abandonados no Brasil. Assim, ações referentes à essas situações não só ajudariam esses animais como também fariam com que o projeto durasse e funcionasse como o planejado.</a:t>
             </a:r>
           </a:p>
           <a:p>
@@ -6083,7 +7293,7 @@
         </p:nvSpPr>
         <p:spPr>
           <a:xfrm>
-            <a:off x="983432" y="3751893"/>
+            <a:off x="796516" y="3338672"/>
             <a:ext cx="10598968" cy="707886"/>
           </a:xfrm>
           <a:prstGeom prst="rect">
@@ -6097,10 +7307,10 @@
           </a:bodyPr>
           <a:lstStyle/>
           <a:p>
-            <a:pPr algn="just"/>
+            <a:pPr indent="442913" algn="just"/>
             <a:r>
               <a:rPr lang="pt-BR" sz="2000" dirty="0"/>
-              <a:t>Além do mais, os membros da nossa equipe utilizariam seus conhecimentos adquiridos ao longo do curso para conseguir tornar essa proposta realidade.</a:t>
+              <a:t>Além do mais, os membros da equipe utilizariam seus conhecimentos adquiridos ao longo do curso para conseguir tornar essa proposta realidade.</a:t>
             </a:r>
           </a:p>
         </p:txBody>
@@ -6205,7 +7415,7 @@
                 <a:latin typeface="Arial" panose="020B0604020202020204" pitchFamily="34" charset="0"/>
                 <a:cs typeface="Arial" panose="020B0604020202020204" pitchFamily="34" charset="0"/>
               </a:rPr>
-              <a:t>: Visamos criar um website com a finalidade de ajudar esses animais, que são jogados e maltratados nas ruas, a acharem um lar e servir de meio de adoção com o fim de divulgar e incentivar o ato da adoção responsável.</a:t>
+              <a:t>: O projeto visa a criação de um website com a finalidade de ajudar esses animais, que são jogados e maltratados nas ruas, a acharem um lar e servir de meio de adoção com o fim de divulgar e incentivar o ato da adoção responsável.</a:t>
             </a:r>
           </a:p>
         </p:txBody>
@@ -6310,7 +7520,7 @@
                 <a:latin typeface="Arial" panose="020B0604020202020204" pitchFamily="34" charset="0"/>
                 <a:cs typeface="Arial" panose="020B0604020202020204" pitchFamily="34" charset="0"/>
               </a:rPr>
-              <a:t>: Nosso projeto contribui à falta de outras plataformas regionais de proteção aos animais sem lar, uma vez que, tais plataformas se tornam essenciais ao combate contra o abandono e maus-tratos.</a:t>
+              <a:t>: O projeto contribui à falta de outras plataformas regionais de proteção aos animais sem lar, uma vez que, tais plataformas se tornam essenciais ao combate contra o abandono e maus-tratos.</a:t>
             </a:r>
           </a:p>
         </p:txBody>
@@ -6329,7 +7539,7 @@
         </p:nvSpPr>
         <p:spPr>
           <a:xfrm>
-            <a:off x="983432" y="3025961"/>
+            <a:off x="983432" y="2807749"/>
             <a:ext cx="10729192" cy="1631216"/>
           </a:xfrm>
           <a:prstGeom prst="rect">
@@ -6343,10 +7553,10 @@
           </a:bodyPr>
           <a:lstStyle/>
           <a:p>
-            <a:pPr algn="just"/>
+            <a:pPr indent="442913" algn="just"/>
             <a:r>
               <a:rPr lang="pt-BR" sz="2000" dirty="0"/>
-              <a:t>Dentro da nossa região não há a existência de algum site voltado exclusivamente para resolver os problemas relacionados à adoção. Há, somente, dentro da cidade de Bebedouro, uma ONG (organização não governamental) dedicada aos cuidados e direitos animais. Porém, a mesma, também não possui uma aplicação web única que realize de forma direta a adoção.</a:t>
+              <a:t>Dentro da nossa região, não é possível encontrar um site voltado exclusivamente para resolver os problemas relacionados à adoção. Há, somente, dentro da cidade de Bebedouro, uma ONG (organização não governamental) dedicada aos cuidados e direitos animais. Porém, a mesma, também não possui uma aplicação web única que realize de forma direta a adoção.</a:t>
             </a:r>
           </a:p>
         </p:txBody>
@@ -6365,7 +7575,7 @@
         </p:nvSpPr>
         <p:spPr>
           <a:xfrm>
-            <a:off x="983432" y="5475788"/>
+            <a:off x="981721" y="5397299"/>
             <a:ext cx="2133918" cy="369332"/>
           </a:xfrm>
           <a:prstGeom prst="rect">
@@ -6503,7 +7713,7 @@
             </a:endParaRPr>
           </a:p>
           <a:p>
-            <a:pPr marL="0" indent="0" algn="just">
+            <a:pPr marL="0" indent="442913" algn="just">
               <a:lnSpc>
                 <a:spcPct val="150000"/>
               </a:lnSpc>
